--- a/CSI2007 Data Communication and Network/Reference Materials/25_Address Resolution Protocol (ARP), Reverse Address Resolution Protocol (RARP).pptx
+++ b/CSI2007 Data Communication and Network/Reference Materials/25_Address Resolution Protocol (ARP), Reverse Address Resolution Protocol (RARP).pptx
@@ -322,7 +322,7 @@
           <a:p>
             <a:fld id="{18F853B8-C119-4D43-95C1-4A3E846B6BC8}" type="datetimeFigureOut">
               <a:rPr lang="en-US" smtClean="0"/>
-              <a:t>5/15/2021</a:t>
+              <a:t>6/5/2021</a:t>
             </a:fld>
             <a:endParaRPr lang="en-US"/>
           </a:p>
@@ -490,7 +490,7 @@
           <a:p>
             <a:fld id="{18F853B8-C119-4D43-95C1-4A3E846B6BC8}" type="datetimeFigureOut">
               <a:rPr lang="en-US" smtClean="0"/>
-              <a:t>5/15/2021</a:t>
+              <a:t>6/5/2021</a:t>
             </a:fld>
             <a:endParaRPr lang="en-US"/>
           </a:p>
@@ -668,7 +668,7 @@
           <a:p>
             <a:fld id="{18F853B8-C119-4D43-95C1-4A3E846B6BC8}" type="datetimeFigureOut">
               <a:rPr lang="en-US" smtClean="0"/>
-              <a:t>5/15/2021</a:t>
+              <a:t>6/5/2021</a:t>
             </a:fld>
             <a:endParaRPr lang="en-US"/>
           </a:p>
@@ -836,7 +836,7 @@
           <a:p>
             <a:fld id="{18F853B8-C119-4D43-95C1-4A3E846B6BC8}" type="datetimeFigureOut">
               <a:rPr lang="en-US" smtClean="0"/>
-              <a:t>5/15/2021</a:t>
+              <a:t>6/5/2021</a:t>
             </a:fld>
             <a:endParaRPr lang="en-US"/>
           </a:p>
@@ -1081,7 +1081,7 @@
           <a:p>
             <a:fld id="{18F853B8-C119-4D43-95C1-4A3E846B6BC8}" type="datetimeFigureOut">
               <a:rPr lang="en-US" smtClean="0"/>
-              <a:t>5/15/2021</a:t>
+              <a:t>6/5/2021</a:t>
             </a:fld>
             <a:endParaRPr lang="en-US"/>
           </a:p>
@@ -1366,7 +1366,7 @@
           <a:p>
             <a:fld id="{18F853B8-C119-4D43-95C1-4A3E846B6BC8}" type="datetimeFigureOut">
               <a:rPr lang="en-US" smtClean="0"/>
-              <a:t>5/15/2021</a:t>
+              <a:t>6/5/2021</a:t>
             </a:fld>
             <a:endParaRPr lang="en-US"/>
           </a:p>
@@ -1785,7 +1785,7 @@
           <a:p>
             <a:fld id="{18F853B8-C119-4D43-95C1-4A3E846B6BC8}" type="datetimeFigureOut">
               <a:rPr lang="en-US" smtClean="0"/>
-              <a:t>5/15/2021</a:t>
+              <a:t>6/5/2021</a:t>
             </a:fld>
             <a:endParaRPr lang="en-US"/>
           </a:p>
@@ -1902,7 +1902,7 @@
           <a:p>
             <a:fld id="{18F853B8-C119-4D43-95C1-4A3E846B6BC8}" type="datetimeFigureOut">
               <a:rPr lang="en-US" smtClean="0"/>
-              <a:t>5/15/2021</a:t>
+              <a:t>6/5/2021</a:t>
             </a:fld>
             <a:endParaRPr lang="en-US"/>
           </a:p>
@@ -1997,7 +1997,7 @@
           <a:p>
             <a:fld id="{18F853B8-C119-4D43-95C1-4A3E846B6BC8}" type="datetimeFigureOut">
               <a:rPr lang="en-US" smtClean="0"/>
-              <a:t>5/15/2021</a:t>
+              <a:t>6/5/2021</a:t>
             </a:fld>
             <a:endParaRPr lang="en-US"/>
           </a:p>
@@ -2272,7 +2272,7 @@
           <a:p>
             <a:fld id="{18F853B8-C119-4D43-95C1-4A3E846B6BC8}" type="datetimeFigureOut">
               <a:rPr lang="en-US" smtClean="0"/>
-              <a:t>5/15/2021</a:t>
+              <a:t>6/5/2021</a:t>
             </a:fld>
             <a:endParaRPr lang="en-US"/>
           </a:p>
@@ -2524,7 +2524,7 @@
           <a:p>
             <a:fld id="{18F853B8-C119-4D43-95C1-4A3E846B6BC8}" type="datetimeFigureOut">
               <a:rPr lang="en-US" smtClean="0"/>
-              <a:t>5/15/2021</a:t>
+              <a:t>6/5/2021</a:t>
             </a:fld>
             <a:endParaRPr lang="en-US"/>
           </a:p>
@@ -2735,7 +2735,7 @@
           <a:p>
             <a:fld id="{18F853B8-C119-4D43-95C1-4A3E846B6BC8}" type="datetimeFigureOut">
               <a:rPr lang="en-US" smtClean="0"/>
-              <a:t>5/15/2021</a:t>
+              <a:t>6/5/2021</a:t>
             </a:fld>
             <a:endParaRPr lang="en-US"/>
           </a:p>
@@ -4683,8 +4683,8 @@
         </p:blipFill>
         <p:spPr bwMode="auto">
           <a:xfrm>
-            <a:off x="685800" y="838200"/>
-            <a:ext cx="7772400" cy="5029199"/>
+            <a:off x="685799" y="838200"/>
+            <a:ext cx="8007929" cy="5181600"/>
           </a:xfrm>
           <a:prstGeom prst="rect">
             <a:avLst/>
@@ -4778,7 +4778,7 @@
         <p:spPr bwMode="auto">
           <a:xfrm>
             <a:off x="304800" y="914400"/>
-            <a:ext cx="8234363" cy="4800600"/>
+            <a:ext cx="8534400" cy="4975520"/>
           </a:xfrm>
           <a:prstGeom prst="rect">
             <a:avLst/>
